--- a/2e Sprint Review.pptx
+++ b/2e Sprint Review.pptx
@@ -10,7 +10,8 @@
     <p:sldId id="258" r:id="rId4"/>
     <p:sldId id="259" r:id="rId5"/>
     <p:sldId id="260" r:id="rId6"/>
-    <p:sldId id="261" r:id="rId7"/>
+    <p:sldId id="262" r:id="rId7"/>
+    <p:sldId id="261" r:id="rId8"/>
   </p:sldIdLst>
   <p:sldSz cx="12192000" cy="6858000"/>
   <p:notesSz cx="6858000" cy="9144000"/>
@@ -109,7 +110,20 @@
       </a:defRPr>
     </a:lvl9pPr>
   </p:defaultTextStyle>
+  <p:extLst>
+    <p:ext uri="{EFAFB233-063F-42B5-8137-9DF3F51BA10A}">
+      <p15:sldGuideLst xmlns:p15="http://schemas.microsoft.com/office/powerpoint/2012/main"/>
+    </p:ext>
+  </p:extLst>
 </p:presentation>
+</file>
+
+<file path=ppt/revisionInfo.xml><?xml version="1.0" encoding="utf-8"?>
+<p1510:revInfo xmlns:a="http://schemas.openxmlformats.org/drawingml/2006/main" xmlns:r="http://schemas.openxmlformats.org/officeDocument/2006/relationships" xmlns:p1510="http://schemas.microsoft.com/office/powerpoint/2015/10/main">
+  <p1510:revLst>
+    <p1510:client id="{5A177738-D9FD-49BC-BBD0-FF836B1BAD61}" v="16" dt="2022-03-31T08:57:16.017"/>
+  </p1510:revLst>
+</p1510:revInfo>
 </file>
 
 <file path=ppt/diagrams/colors1.xml><?xml version="1.0" encoding="utf-8"?>
@@ -1737,10 +1751,10 @@
         <a:lstStyle/>
         <a:p>
           <a:r>
-            <a:rPr lang="en-GB"/>
+            <a:rPr lang="en-GB" dirty="0"/>
             <a:t>Teamwork</a:t>
           </a:r>
-          <a:endParaRPr lang="en-US"/>
+          <a:endParaRPr lang="en-US" dirty="0"/>
         </a:p>
       </dgm:t>
     </dgm:pt>
@@ -1766,6 +1780,42 @@
         </a:p>
       </dgm:t>
     </dgm:pt>
+    <dgm:pt modelId="{25E9C02A-AE9C-4C62-99BC-FCB664A18485}">
+      <dgm:prSet/>
+      <dgm:spPr/>
+      <dgm:t>
+        <a:bodyPr/>
+        <a:lstStyle/>
+        <a:p>
+          <a:r>
+            <a:rPr lang="en-US" dirty="0"/>
+            <a:t>Git/Trello</a:t>
+          </a:r>
+        </a:p>
+      </dgm:t>
+    </dgm:pt>
+    <dgm:pt modelId="{427E1EB9-2E6D-49BD-8D97-E56021E8D5ED}" type="parTrans" cxnId="{77D837E6-FD1B-4BCC-B68C-49D7D83B3691}">
+      <dgm:prSet/>
+      <dgm:spPr/>
+      <dgm:t>
+        <a:bodyPr/>
+        <a:lstStyle/>
+        <a:p>
+          <a:endParaRPr lang="en-NL"/>
+        </a:p>
+      </dgm:t>
+    </dgm:pt>
+    <dgm:pt modelId="{E522B945-CFB2-4EFE-85AB-9BF50F8E6886}" type="sibTrans" cxnId="{77D837E6-FD1B-4BCC-B68C-49D7D83B3691}">
+      <dgm:prSet/>
+      <dgm:spPr/>
+      <dgm:t>
+        <a:bodyPr/>
+        <a:lstStyle/>
+        <a:p>
+          <a:endParaRPr lang="en-NL"/>
+        </a:p>
+      </dgm:t>
+    </dgm:pt>
     <dgm:pt modelId="{A26B3C32-AA0F-480C-B129-D4537CB48C22}" type="pres">
       <dgm:prSet presAssocID="{CBA9A971-0404-462E-A71E-056197EA2DBE}" presName="linear" presStyleCnt="0">
         <dgm:presLayoutVars>
@@ -1781,11 +1831,11 @@
       <dgm:spPr/>
     </dgm:pt>
     <dgm:pt modelId="{3DF8E487-4168-497A-AAC4-B335B15CE90A}" type="pres">
-      <dgm:prSet presAssocID="{FFCDA5E5-CD21-4F65-8862-F4913E2639CC}" presName="parentLeftMargin" presStyleLbl="node1" presStyleIdx="0" presStyleCnt="3"/>
+      <dgm:prSet presAssocID="{FFCDA5E5-CD21-4F65-8862-F4913E2639CC}" presName="parentLeftMargin" presStyleLbl="node1" presStyleIdx="0" presStyleCnt="4"/>
       <dgm:spPr/>
     </dgm:pt>
     <dgm:pt modelId="{81D3410E-6AF6-435F-88A3-3BFD818A7ACE}" type="pres">
-      <dgm:prSet presAssocID="{FFCDA5E5-CD21-4F65-8862-F4913E2639CC}" presName="parentText" presStyleLbl="node1" presStyleIdx="0" presStyleCnt="3">
+      <dgm:prSet presAssocID="{FFCDA5E5-CD21-4F65-8862-F4913E2639CC}" presName="parentText" presStyleLbl="node1" presStyleIdx="0" presStyleCnt="4">
         <dgm:presLayoutVars>
           <dgm:chMax val="0"/>
           <dgm:bulletEnabled val="1"/>
@@ -1798,7 +1848,7 @@
       <dgm:spPr/>
     </dgm:pt>
     <dgm:pt modelId="{45385168-268D-4562-A831-9704CB2F8076}" type="pres">
-      <dgm:prSet presAssocID="{FFCDA5E5-CD21-4F65-8862-F4913E2639CC}" presName="childText" presStyleLbl="conFgAcc1" presStyleIdx="0" presStyleCnt="3">
+      <dgm:prSet presAssocID="{FFCDA5E5-CD21-4F65-8862-F4913E2639CC}" presName="childText" presStyleLbl="conFgAcc1" presStyleIdx="0" presStyleCnt="4">
         <dgm:presLayoutVars>
           <dgm:bulletEnabled val="1"/>
         </dgm:presLayoutVars>
@@ -1814,11 +1864,11 @@
       <dgm:spPr/>
     </dgm:pt>
     <dgm:pt modelId="{1909FB42-BA27-462A-94AB-2445004483E0}" type="pres">
-      <dgm:prSet presAssocID="{F352A957-D3C0-4AF7-AE29-6C593F4D7CB1}" presName="parentLeftMargin" presStyleLbl="node1" presStyleIdx="0" presStyleCnt="3"/>
+      <dgm:prSet presAssocID="{F352A957-D3C0-4AF7-AE29-6C593F4D7CB1}" presName="parentLeftMargin" presStyleLbl="node1" presStyleIdx="0" presStyleCnt="4"/>
       <dgm:spPr/>
     </dgm:pt>
     <dgm:pt modelId="{18B8FC77-3F19-4520-AA52-B2D393AAF6E7}" type="pres">
-      <dgm:prSet presAssocID="{F352A957-D3C0-4AF7-AE29-6C593F4D7CB1}" presName="parentText" presStyleLbl="node1" presStyleIdx="1" presStyleCnt="3">
+      <dgm:prSet presAssocID="{F352A957-D3C0-4AF7-AE29-6C593F4D7CB1}" presName="parentText" presStyleLbl="node1" presStyleIdx="1" presStyleCnt="4">
         <dgm:presLayoutVars>
           <dgm:chMax val="0"/>
           <dgm:bulletEnabled val="1"/>
@@ -1831,7 +1881,7 @@
       <dgm:spPr/>
     </dgm:pt>
     <dgm:pt modelId="{21CF0F48-E13A-4AD0-BADA-4472EA8968CF}" type="pres">
-      <dgm:prSet presAssocID="{F352A957-D3C0-4AF7-AE29-6C593F4D7CB1}" presName="childText" presStyleLbl="conFgAcc1" presStyleIdx="1" presStyleCnt="3">
+      <dgm:prSet presAssocID="{F352A957-D3C0-4AF7-AE29-6C593F4D7CB1}" presName="childText" presStyleLbl="conFgAcc1" presStyleIdx="1" presStyleCnt="4">
         <dgm:presLayoutVars>
           <dgm:bulletEnabled val="1"/>
         </dgm:presLayoutVars>
@@ -1847,11 +1897,11 @@
       <dgm:spPr/>
     </dgm:pt>
     <dgm:pt modelId="{3763E965-EBF4-4B61-8D3B-15A43912D4C1}" type="pres">
-      <dgm:prSet presAssocID="{162E4769-0B10-451F-ADC0-A1DBE894711F}" presName="parentLeftMargin" presStyleLbl="node1" presStyleIdx="1" presStyleCnt="3"/>
+      <dgm:prSet presAssocID="{162E4769-0B10-451F-ADC0-A1DBE894711F}" presName="parentLeftMargin" presStyleLbl="node1" presStyleIdx="1" presStyleCnt="4"/>
       <dgm:spPr/>
     </dgm:pt>
     <dgm:pt modelId="{92B73D13-5A9A-402E-8B0D-D8BFC9D7C3D1}" type="pres">
-      <dgm:prSet presAssocID="{162E4769-0B10-451F-ADC0-A1DBE894711F}" presName="parentText" presStyleLbl="node1" presStyleIdx="2" presStyleCnt="3">
+      <dgm:prSet presAssocID="{162E4769-0B10-451F-ADC0-A1DBE894711F}" presName="parentText" presStyleLbl="node1" presStyleIdx="2" presStyleCnt="4">
         <dgm:presLayoutVars>
           <dgm:chMax val="0"/>
           <dgm:bulletEnabled val="1"/>
@@ -1864,7 +1914,40 @@
       <dgm:spPr/>
     </dgm:pt>
     <dgm:pt modelId="{69A61E99-466F-4B85-8489-1FB0BFE1E643}" type="pres">
-      <dgm:prSet presAssocID="{162E4769-0B10-451F-ADC0-A1DBE894711F}" presName="childText" presStyleLbl="conFgAcc1" presStyleIdx="2" presStyleCnt="3">
+      <dgm:prSet presAssocID="{162E4769-0B10-451F-ADC0-A1DBE894711F}" presName="childText" presStyleLbl="conFgAcc1" presStyleIdx="2" presStyleCnt="4">
+        <dgm:presLayoutVars>
+          <dgm:bulletEnabled val="1"/>
+        </dgm:presLayoutVars>
+      </dgm:prSet>
+      <dgm:spPr/>
+    </dgm:pt>
+    <dgm:pt modelId="{CA051297-040E-4422-AE39-107B80209058}" type="pres">
+      <dgm:prSet presAssocID="{821A5958-35EC-4A66-94A4-CD2B4B717F2F}" presName="spaceBetweenRectangles" presStyleCnt="0"/>
+      <dgm:spPr/>
+    </dgm:pt>
+    <dgm:pt modelId="{C6DFFC26-66F5-4B59-8084-C621FE74F7F2}" type="pres">
+      <dgm:prSet presAssocID="{25E9C02A-AE9C-4C62-99BC-FCB664A18485}" presName="parentLin" presStyleCnt="0"/>
+      <dgm:spPr/>
+    </dgm:pt>
+    <dgm:pt modelId="{5436FFBB-3A47-47AD-A2C4-9E21992EB972}" type="pres">
+      <dgm:prSet presAssocID="{25E9C02A-AE9C-4C62-99BC-FCB664A18485}" presName="parentLeftMargin" presStyleLbl="node1" presStyleIdx="2" presStyleCnt="4"/>
+      <dgm:spPr/>
+    </dgm:pt>
+    <dgm:pt modelId="{18C520B1-3C96-49E6-8585-9AEED8ECC5C0}" type="pres">
+      <dgm:prSet presAssocID="{25E9C02A-AE9C-4C62-99BC-FCB664A18485}" presName="parentText" presStyleLbl="node1" presStyleIdx="3" presStyleCnt="4">
+        <dgm:presLayoutVars>
+          <dgm:chMax val="0"/>
+          <dgm:bulletEnabled val="1"/>
+        </dgm:presLayoutVars>
+      </dgm:prSet>
+      <dgm:spPr/>
+    </dgm:pt>
+    <dgm:pt modelId="{D516BCD2-7B41-4394-8211-5B167B5D0326}" type="pres">
+      <dgm:prSet presAssocID="{25E9C02A-AE9C-4C62-99BC-FCB664A18485}" presName="negativeSpace" presStyleCnt="0"/>
+      <dgm:spPr/>
+    </dgm:pt>
+    <dgm:pt modelId="{FAFBC64C-E7CC-4F23-9C9A-1FD9BD7B6A00}" type="pres">
+      <dgm:prSet presAssocID="{25E9C02A-AE9C-4C62-99BC-FCB664A18485}" presName="childText" presStyleLbl="conFgAcc1" presStyleIdx="3" presStyleCnt="4">
         <dgm:presLayoutVars>
           <dgm:bulletEnabled val="1"/>
         </dgm:presLayoutVars>
@@ -1874,6 +1957,7 @@
   </dgm:ptLst>
   <dgm:cxnLst>
     <dgm:cxn modelId="{F6736A00-2F7A-4462-801D-15C505A16386}" srcId="{CBA9A971-0404-462E-A71E-056197EA2DBE}" destId="{FFCDA5E5-CD21-4F65-8862-F4913E2639CC}" srcOrd="0" destOrd="0" parTransId="{4506281E-D83F-4858-967D-37492C1DCB00}" sibTransId="{2E59A452-9F26-4201-9383-4BD827A75389}"/>
+    <dgm:cxn modelId="{5E402537-F46E-46D0-B80F-BA76EBF7145A}" type="presOf" srcId="{25E9C02A-AE9C-4C62-99BC-FCB664A18485}" destId="{18C520B1-3C96-49E6-8585-9AEED8ECC5C0}" srcOrd="1" destOrd="0" presId="urn:microsoft.com/office/officeart/2005/8/layout/list1"/>
     <dgm:cxn modelId="{50CA0F5E-7970-4596-BC0A-E90428C38279}" type="presOf" srcId="{FFCDA5E5-CD21-4F65-8862-F4913E2639CC}" destId="{81D3410E-6AF6-435F-88A3-3BFD818A7ACE}" srcOrd="1" destOrd="0" presId="urn:microsoft.com/office/officeart/2005/8/layout/list1"/>
     <dgm:cxn modelId="{B8B0CA49-851F-4790-87BC-7C358D646D47}" type="presOf" srcId="{FFCDA5E5-CD21-4F65-8862-F4913E2639CC}" destId="{3DF8E487-4168-497A-AAC4-B335B15CE90A}" srcOrd="0" destOrd="0" presId="urn:microsoft.com/office/officeart/2005/8/layout/list1"/>
     <dgm:cxn modelId="{9E59464A-B770-42A9-B968-87A4E081E6D2}" srcId="{CBA9A971-0404-462E-A71E-056197EA2DBE}" destId="{F352A957-D3C0-4AF7-AE29-6C593F4D7CB1}" srcOrd="1" destOrd="0" parTransId="{80F71372-59CF-429C-B9D8-BC3D0A74FE5B}" sibTransId="{2B86B032-CA75-4950-8506-47E68F32C9F7}"/>
@@ -1881,6 +1965,8 @@
     <dgm:cxn modelId="{655AD259-5A7A-4A86-B63F-91661F2C670F}" srcId="{CBA9A971-0404-462E-A71E-056197EA2DBE}" destId="{162E4769-0B10-451F-ADC0-A1DBE894711F}" srcOrd="2" destOrd="0" parTransId="{D8C65885-51FA-4CF2-B561-4BE4046DA7F3}" sibTransId="{821A5958-35EC-4A66-94A4-CD2B4B717F2F}"/>
     <dgm:cxn modelId="{57006397-C608-48E9-80B7-C56CA2433B82}" type="presOf" srcId="{162E4769-0B10-451F-ADC0-A1DBE894711F}" destId="{3763E965-EBF4-4B61-8D3B-15A43912D4C1}" srcOrd="0" destOrd="0" presId="urn:microsoft.com/office/officeart/2005/8/layout/list1"/>
     <dgm:cxn modelId="{C43E1ECB-E95D-4942-A0F2-EDF4B768C257}" type="presOf" srcId="{162E4769-0B10-451F-ADC0-A1DBE894711F}" destId="{92B73D13-5A9A-402E-8B0D-D8BFC9D7C3D1}" srcOrd="1" destOrd="0" presId="urn:microsoft.com/office/officeart/2005/8/layout/list1"/>
+    <dgm:cxn modelId="{B24D26E2-A199-4268-8F6C-0359CCF85E89}" type="presOf" srcId="{25E9C02A-AE9C-4C62-99BC-FCB664A18485}" destId="{5436FFBB-3A47-47AD-A2C4-9E21992EB972}" srcOrd="0" destOrd="0" presId="urn:microsoft.com/office/officeart/2005/8/layout/list1"/>
+    <dgm:cxn modelId="{77D837E6-FD1B-4BCC-B68C-49D7D83B3691}" srcId="{CBA9A971-0404-462E-A71E-056197EA2DBE}" destId="{25E9C02A-AE9C-4C62-99BC-FCB664A18485}" srcOrd="3" destOrd="0" parTransId="{427E1EB9-2E6D-49BD-8D97-E56021E8D5ED}" sibTransId="{E522B945-CFB2-4EFE-85AB-9BF50F8E6886}"/>
     <dgm:cxn modelId="{E13857EC-A8AE-4704-8967-F8CB252DA8FE}" type="presOf" srcId="{F352A957-D3C0-4AF7-AE29-6C593F4D7CB1}" destId="{1909FB42-BA27-462A-94AB-2445004483E0}" srcOrd="0" destOrd="0" presId="urn:microsoft.com/office/officeart/2005/8/layout/list1"/>
     <dgm:cxn modelId="{54C51DF1-DFFE-4E1A-9328-52D294E3F318}" type="presOf" srcId="{CBA9A971-0404-462E-A71E-056197EA2DBE}" destId="{A26B3C32-AA0F-480C-B129-D4537CB48C22}" srcOrd="0" destOrd="0" presId="urn:microsoft.com/office/officeart/2005/8/layout/list1"/>
     <dgm:cxn modelId="{16A95F8C-CC94-4C70-A257-3885B8922ECE}" type="presParOf" srcId="{A26B3C32-AA0F-480C-B129-D4537CB48C22}" destId="{54054FD6-C958-4378-A5D7-53C629F6C425}" srcOrd="0" destOrd="0" presId="urn:microsoft.com/office/officeart/2005/8/layout/list1"/>
@@ -1900,6 +1986,12 @@
     <dgm:cxn modelId="{CF2B9AE7-D0E6-4361-8167-74135519EF54}" type="presParOf" srcId="{E1AD40C1-B2C0-4464-A273-53E1E475457B}" destId="{92B73D13-5A9A-402E-8B0D-D8BFC9D7C3D1}" srcOrd="1" destOrd="0" presId="urn:microsoft.com/office/officeart/2005/8/layout/list1"/>
     <dgm:cxn modelId="{276DCAF3-7E57-4C8B-87D8-D23F3571EBDD}" type="presParOf" srcId="{A26B3C32-AA0F-480C-B129-D4537CB48C22}" destId="{2FEB6661-924F-4C5D-A1BE-3AA9BC2B381A}" srcOrd="9" destOrd="0" presId="urn:microsoft.com/office/officeart/2005/8/layout/list1"/>
     <dgm:cxn modelId="{AE327151-E5EA-41FF-ACB2-00DD432F56FA}" type="presParOf" srcId="{A26B3C32-AA0F-480C-B129-D4537CB48C22}" destId="{69A61E99-466F-4B85-8489-1FB0BFE1E643}" srcOrd="10" destOrd="0" presId="urn:microsoft.com/office/officeart/2005/8/layout/list1"/>
+    <dgm:cxn modelId="{8BC9AD8D-A345-420B-A24E-B60E04CDF57C}" type="presParOf" srcId="{A26B3C32-AA0F-480C-B129-D4537CB48C22}" destId="{CA051297-040E-4422-AE39-107B80209058}" srcOrd="11" destOrd="0" presId="urn:microsoft.com/office/officeart/2005/8/layout/list1"/>
+    <dgm:cxn modelId="{F227251D-0BEF-401F-9A44-C8AC3649B1C1}" type="presParOf" srcId="{A26B3C32-AA0F-480C-B129-D4537CB48C22}" destId="{C6DFFC26-66F5-4B59-8084-C621FE74F7F2}" srcOrd="12" destOrd="0" presId="urn:microsoft.com/office/officeart/2005/8/layout/list1"/>
+    <dgm:cxn modelId="{5F10CEA2-08BC-4B41-9763-1B76767F77CC}" type="presParOf" srcId="{C6DFFC26-66F5-4B59-8084-C621FE74F7F2}" destId="{5436FFBB-3A47-47AD-A2C4-9E21992EB972}" srcOrd="0" destOrd="0" presId="urn:microsoft.com/office/officeart/2005/8/layout/list1"/>
+    <dgm:cxn modelId="{DDAC5727-B4B3-4484-AB67-17500190C4A9}" type="presParOf" srcId="{C6DFFC26-66F5-4B59-8084-C621FE74F7F2}" destId="{18C520B1-3C96-49E6-8585-9AEED8ECC5C0}" srcOrd="1" destOrd="0" presId="urn:microsoft.com/office/officeart/2005/8/layout/list1"/>
+    <dgm:cxn modelId="{0C31DB48-FB79-44A2-82DE-E0441775BB9D}" type="presParOf" srcId="{A26B3C32-AA0F-480C-B129-D4537CB48C22}" destId="{D516BCD2-7B41-4394-8211-5B167B5D0326}" srcOrd="13" destOrd="0" presId="urn:microsoft.com/office/officeart/2005/8/layout/list1"/>
+    <dgm:cxn modelId="{4F70DA1A-9491-47DE-B199-9116F057C6F3}" type="presParOf" srcId="{A26B3C32-AA0F-480C-B129-D4537CB48C22}" destId="{FAFBC64C-E7CC-4F23-9C9A-1FD9BD7B6A00}" srcOrd="14" destOrd="0" presId="urn:microsoft.com/office/officeart/2005/8/layout/list1"/>
   </dgm:cxnLst>
   <dgm:bg/>
   <dgm:whole/>
@@ -2147,8 +2239,8 @@
       </dsp:nvSpPr>
       <dsp:spPr>
         <a:xfrm>
-          <a:off x="0" y="565926"/>
-          <a:ext cx="5614987" cy="907200"/>
+          <a:off x="0" y="408786"/>
+          <a:ext cx="5614987" cy="680400"/>
         </a:xfrm>
         <a:prstGeom prst="rect">
           <a:avLst/>
@@ -2195,8 +2287,8 @@
       </dsp:nvSpPr>
       <dsp:spPr>
         <a:xfrm>
-          <a:off x="280749" y="34566"/>
-          <a:ext cx="3930490" cy="1062720"/>
+          <a:off x="280749" y="10266"/>
+          <a:ext cx="3930490" cy="797040"/>
         </a:xfrm>
         <a:prstGeom prst="roundRect">
           <a:avLst/>
@@ -2242,7 +2334,7 @@
         </a:bodyPr>
         <a:lstStyle/>
         <a:p>
-          <a:pPr marL="0" lvl="0" indent="0" algn="l" defTabSz="1600200">
+          <a:pPr marL="0" lvl="0" indent="0" algn="l" defTabSz="1200150">
             <a:lnSpc>
               <a:spcPct val="90000"/>
             </a:lnSpc>
@@ -2255,15 +2347,15 @@
             <a:buNone/>
           </a:pPr>
           <a:r>
-            <a:rPr lang="en-GB" sz="3600" kern="1200"/>
+            <a:rPr lang="en-GB" sz="2700" kern="1200"/>
             <a:t>Unity</a:t>
           </a:r>
-          <a:endParaRPr lang="en-US" sz="3600" kern="1200"/>
+          <a:endParaRPr lang="en-US" sz="2700" kern="1200"/>
         </a:p>
       </dsp:txBody>
       <dsp:txXfrm>
-        <a:off x="332627" y="86444"/>
-        <a:ext cx="3826734" cy="958964"/>
+        <a:off x="319657" y="49174"/>
+        <a:ext cx="3852674" cy="719224"/>
       </dsp:txXfrm>
     </dsp:sp>
     <dsp:sp modelId="{21CF0F48-E13A-4AD0-BADA-4472EA8968CF}">
@@ -2273,8 +2365,8 @@
       </dsp:nvSpPr>
       <dsp:spPr>
         <a:xfrm>
-          <a:off x="0" y="2198886"/>
-          <a:ext cx="5614987" cy="907200"/>
+          <a:off x="0" y="1633506"/>
+          <a:ext cx="5614987" cy="680400"/>
         </a:xfrm>
         <a:prstGeom prst="rect">
           <a:avLst/>
@@ -2291,9 +2383,9 @@
         <a:ln w="19050" cap="rnd" cmpd="sng" algn="ctr">
           <a:solidFill>
             <a:schemeClr val="accent5">
-              <a:hueOff val="-515611"/>
-              <a:satOff val="-6008"/>
-              <a:lumOff val="-1079"/>
+              <a:hueOff val="-343741"/>
+              <a:satOff val="-4006"/>
+              <a:lumOff val="-719"/>
               <a:alphaOff val="0"/>
             </a:schemeClr>
           </a:solidFill>
@@ -2321,17 +2413,17 @@
       </dsp:nvSpPr>
       <dsp:spPr>
         <a:xfrm>
-          <a:off x="280749" y="1667526"/>
-          <a:ext cx="3930490" cy="1062720"/>
+          <a:off x="280749" y="1234986"/>
+          <a:ext cx="3930490" cy="797040"/>
         </a:xfrm>
         <a:prstGeom prst="roundRect">
           <a:avLst/>
         </a:prstGeom>
         <a:solidFill>
           <a:schemeClr val="accent5">
-            <a:hueOff val="-515611"/>
-            <a:satOff val="-6008"/>
-            <a:lumOff val="-1079"/>
+            <a:hueOff val="-343741"/>
+            <a:satOff val="-4006"/>
+            <a:lumOff val="-719"/>
             <a:alphaOff val="0"/>
           </a:schemeClr>
         </a:solidFill>
@@ -2368,7 +2460,7 @@
         </a:bodyPr>
         <a:lstStyle/>
         <a:p>
-          <a:pPr marL="0" lvl="0" indent="0" algn="l" defTabSz="1600200">
+          <a:pPr marL="0" lvl="0" indent="0" algn="l" defTabSz="1200150">
             <a:lnSpc>
               <a:spcPct val="90000"/>
             </a:lnSpc>
@@ -2381,15 +2473,15 @@
             <a:buNone/>
           </a:pPr>
           <a:r>
-            <a:rPr lang="en-GB" sz="3600" kern="1200"/>
+            <a:rPr lang="en-GB" sz="2700" kern="1200"/>
             <a:t>Blender</a:t>
           </a:r>
-          <a:endParaRPr lang="en-US" sz="3600" kern="1200"/>
+          <a:endParaRPr lang="en-US" sz="2700" kern="1200"/>
         </a:p>
       </dsp:txBody>
       <dsp:txXfrm>
-        <a:off x="332627" y="1719404"/>
-        <a:ext cx="3826734" cy="958964"/>
+        <a:off x="319657" y="1273894"/>
+        <a:ext cx="3852674" cy="719224"/>
       </dsp:txXfrm>
     </dsp:sp>
     <dsp:sp modelId="{69A61E99-466F-4B85-8489-1FB0BFE1E643}">
@@ -2399,8 +2491,134 @@
       </dsp:nvSpPr>
       <dsp:spPr>
         <a:xfrm>
-          <a:off x="0" y="3831846"/>
-          <a:ext cx="5614987" cy="907200"/>
+          <a:off x="0" y="2858226"/>
+          <a:ext cx="5614987" cy="680400"/>
+        </a:xfrm>
+        <a:prstGeom prst="rect">
+          <a:avLst/>
+        </a:prstGeom>
+        <a:solidFill>
+          <a:schemeClr val="lt1">
+            <a:alpha val="90000"/>
+            <a:hueOff val="0"/>
+            <a:satOff val="0"/>
+            <a:lumOff val="0"/>
+            <a:alphaOff val="0"/>
+          </a:schemeClr>
+        </a:solidFill>
+        <a:ln w="19050" cap="rnd" cmpd="sng" algn="ctr">
+          <a:solidFill>
+            <a:schemeClr val="accent5">
+              <a:hueOff val="-687482"/>
+              <a:satOff val="-8011"/>
+              <a:lumOff val="-1439"/>
+              <a:alphaOff val="0"/>
+            </a:schemeClr>
+          </a:solidFill>
+          <a:prstDash val="solid"/>
+        </a:ln>
+        <a:effectLst/>
+      </dsp:spPr>
+      <dsp:style>
+        <a:lnRef idx="2">
+          <a:scrgbClr r="0" g="0" b="0"/>
+        </a:lnRef>
+        <a:fillRef idx="1">
+          <a:scrgbClr r="0" g="0" b="0"/>
+        </a:fillRef>
+        <a:effectRef idx="0">
+          <a:scrgbClr r="0" g="0" b="0"/>
+        </a:effectRef>
+        <a:fontRef idx="minor"/>
+      </dsp:style>
+    </dsp:sp>
+    <dsp:sp modelId="{92B73D13-5A9A-402E-8B0D-D8BFC9D7C3D1}">
+      <dsp:nvSpPr>
+        <dsp:cNvPr id="0" name=""/>
+        <dsp:cNvSpPr/>
+      </dsp:nvSpPr>
+      <dsp:spPr>
+        <a:xfrm>
+          <a:off x="280749" y="2459706"/>
+          <a:ext cx="3930490" cy="797040"/>
+        </a:xfrm>
+        <a:prstGeom prst="roundRect">
+          <a:avLst/>
+        </a:prstGeom>
+        <a:solidFill>
+          <a:schemeClr val="accent5">
+            <a:hueOff val="-687482"/>
+            <a:satOff val="-8011"/>
+            <a:lumOff val="-1439"/>
+            <a:alphaOff val="0"/>
+          </a:schemeClr>
+        </a:solidFill>
+        <a:ln w="19050" cap="rnd" cmpd="sng" algn="ctr">
+          <a:solidFill>
+            <a:schemeClr val="lt1">
+              <a:hueOff val="0"/>
+              <a:satOff val="0"/>
+              <a:lumOff val="0"/>
+              <a:alphaOff val="0"/>
+            </a:schemeClr>
+          </a:solidFill>
+          <a:prstDash val="solid"/>
+        </a:ln>
+        <a:effectLst/>
+      </dsp:spPr>
+      <dsp:style>
+        <a:lnRef idx="2">
+          <a:scrgbClr r="0" g="0" b="0"/>
+        </a:lnRef>
+        <a:fillRef idx="1">
+          <a:scrgbClr r="0" g="0" b="0"/>
+        </a:fillRef>
+        <a:effectRef idx="0">
+          <a:scrgbClr r="0" g="0" b="0"/>
+        </a:effectRef>
+        <a:fontRef idx="minor">
+          <a:schemeClr val="lt1"/>
+        </a:fontRef>
+      </dsp:style>
+      <dsp:txBody>
+        <a:bodyPr spcFirstLastPara="0" vert="horz" wrap="square" lIns="148563" tIns="0" rIns="148563" bIns="0" numCol="1" spcCol="1270" anchor="ctr" anchorCtr="0">
+          <a:noAutofit/>
+        </a:bodyPr>
+        <a:lstStyle/>
+        <a:p>
+          <a:pPr marL="0" lvl="0" indent="0" algn="l" defTabSz="1200150">
+            <a:lnSpc>
+              <a:spcPct val="90000"/>
+            </a:lnSpc>
+            <a:spcBef>
+              <a:spcPct val="0"/>
+            </a:spcBef>
+            <a:spcAft>
+              <a:spcPct val="35000"/>
+            </a:spcAft>
+            <a:buNone/>
+          </a:pPr>
+          <a:r>
+            <a:rPr lang="en-GB" sz="2700" kern="1200" dirty="0"/>
+            <a:t>Teamwork</a:t>
+          </a:r>
+          <a:endParaRPr lang="en-US" sz="2700" kern="1200" dirty="0"/>
+        </a:p>
+      </dsp:txBody>
+      <dsp:txXfrm>
+        <a:off x="319657" y="2498614"/>
+        <a:ext cx="3852674" cy="719224"/>
+      </dsp:txXfrm>
+    </dsp:sp>
+    <dsp:sp modelId="{FAFBC64C-E7CC-4F23-9C9A-1FD9BD7B6A00}">
+      <dsp:nvSpPr>
+        <dsp:cNvPr id="0" name=""/>
+        <dsp:cNvSpPr/>
+      </dsp:nvSpPr>
+      <dsp:spPr>
+        <a:xfrm>
+          <a:off x="0" y="4082946"/>
+          <a:ext cx="5614987" cy="680400"/>
         </a:xfrm>
         <a:prstGeom prst="rect">
           <a:avLst/>
@@ -2440,15 +2658,15 @@
         <a:fontRef idx="minor"/>
       </dsp:style>
     </dsp:sp>
-    <dsp:sp modelId="{92B73D13-5A9A-402E-8B0D-D8BFC9D7C3D1}">
+    <dsp:sp modelId="{18C520B1-3C96-49E6-8585-9AEED8ECC5C0}">
       <dsp:nvSpPr>
         <dsp:cNvPr id="0" name=""/>
         <dsp:cNvSpPr/>
       </dsp:nvSpPr>
       <dsp:spPr>
         <a:xfrm>
-          <a:off x="280749" y="3300486"/>
-          <a:ext cx="3930490" cy="1062720"/>
+          <a:off x="280749" y="3684426"/>
+          <a:ext cx="3930490" cy="797040"/>
         </a:xfrm>
         <a:prstGeom prst="roundRect">
           <a:avLst/>
@@ -2494,7 +2712,7 @@
         </a:bodyPr>
         <a:lstStyle/>
         <a:p>
-          <a:pPr marL="0" lvl="0" indent="0" algn="l" defTabSz="1600200">
+          <a:pPr marL="0" lvl="0" indent="0" algn="l" defTabSz="1200150">
             <a:lnSpc>
               <a:spcPct val="90000"/>
             </a:lnSpc>
@@ -2507,15 +2725,14 @@
             <a:buNone/>
           </a:pPr>
           <a:r>
-            <a:rPr lang="en-GB" sz="3600" kern="1200"/>
-            <a:t>Teamwork</a:t>
+            <a:rPr lang="en-US" sz="2700" kern="1200" dirty="0"/>
+            <a:t>Git/Trello</a:t>
           </a:r>
-          <a:endParaRPr lang="en-US" sz="3600" kern="1200"/>
         </a:p>
       </dsp:txBody>
       <dsp:txXfrm>
-        <a:off x="332627" y="3352364"/>
-        <a:ext cx="3826734" cy="958964"/>
+        <a:off x="319657" y="3723334"/>
+        <a:ext cx="3852674" cy="719224"/>
       </dsp:txXfrm>
     </dsp:sp>
   </dsp:spTree>
@@ -5433,7 +5650,7 @@
           <a:p>
             <a:fld id="{02AC24A9-CCB6-4F8D-B8DB-C2F3692CFA5A}" type="datetimeFigureOut">
               <a:rPr lang="en-US" smtClean="0"/>
-              <a:t>3/30/2022</a:t>
+              <a:t>3/31/2022</a:t>
             </a:fld>
             <a:endParaRPr lang="en-US" dirty="0"/>
           </a:p>
@@ -5708,7 +5925,7 @@
           <a:p>
             <a:fld id="{02AC24A9-CCB6-4F8D-B8DB-C2F3692CFA5A}" type="datetimeFigureOut">
               <a:rPr lang="en-US" smtClean="0"/>
-              <a:t>3/30/2022</a:t>
+              <a:t>3/31/2022</a:t>
             </a:fld>
             <a:endParaRPr lang="en-US"/>
           </a:p>
@@ -5902,7 +6119,7 @@
           <a:p>
             <a:fld id="{02AC24A9-CCB6-4F8D-B8DB-C2F3692CFA5A}" type="datetimeFigureOut">
               <a:rPr lang="en-US" smtClean="0"/>
-              <a:t>3/30/2022</a:t>
+              <a:t>3/31/2022</a:t>
             </a:fld>
             <a:endParaRPr lang="en-US"/>
           </a:p>
@@ -6175,7 +6392,7 @@
           <a:p>
             <a:fld id="{02AC24A9-CCB6-4F8D-B8DB-C2F3692CFA5A}" type="datetimeFigureOut">
               <a:rPr lang="en-US" smtClean="0"/>
-              <a:t>3/30/2022</a:t>
+              <a:t>3/31/2022</a:t>
             </a:fld>
             <a:endParaRPr lang="en-US"/>
           </a:p>
@@ -6516,7 +6733,7 @@
           <a:p>
             <a:fld id="{02AC24A9-CCB6-4F8D-B8DB-C2F3692CFA5A}" type="datetimeFigureOut">
               <a:rPr lang="en-US" smtClean="0"/>
-              <a:t>3/30/2022</a:t>
+              <a:t>3/31/2022</a:t>
             </a:fld>
             <a:endParaRPr lang="en-US"/>
           </a:p>
@@ -7139,7 +7356,7 @@
           <a:p>
             <a:fld id="{02AC24A9-CCB6-4F8D-B8DB-C2F3692CFA5A}" type="datetimeFigureOut">
               <a:rPr lang="en-US" smtClean="0"/>
-              <a:t>3/30/2022</a:t>
+              <a:t>3/31/2022</a:t>
             </a:fld>
             <a:endParaRPr lang="en-US"/>
           </a:p>
@@ -7999,7 +8216,7 @@
           <a:p>
             <a:fld id="{02AC24A9-CCB6-4F8D-B8DB-C2F3692CFA5A}" type="datetimeFigureOut">
               <a:rPr lang="en-US" smtClean="0"/>
-              <a:t>3/30/2022</a:t>
+              <a:t>3/31/2022</a:t>
             </a:fld>
             <a:endParaRPr lang="en-US"/>
           </a:p>
@@ -8169,7 +8386,7 @@
           <a:p>
             <a:fld id="{02AC24A9-CCB6-4F8D-B8DB-C2F3692CFA5A}" type="datetimeFigureOut">
               <a:rPr lang="en-US" smtClean="0"/>
-              <a:t>3/30/2022</a:t>
+              <a:t>3/31/2022</a:t>
             </a:fld>
             <a:endParaRPr lang="en-US"/>
           </a:p>
@@ -8349,7 +8566,7 @@
           <a:p>
             <a:fld id="{02AC24A9-CCB6-4F8D-B8DB-C2F3692CFA5A}" type="datetimeFigureOut">
               <a:rPr lang="en-US" smtClean="0"/>
-              <a:t>3/30/2022</a:t>
+              <a:t>3/31/2022</a:t>
             </a:fld>
             <a:endParaRPr lang="en-US"/>
           </a:p>
@@ -8519,7 +8736,7 @@
           <a:p>
             <a:fld id="{02AC24A9-CCB6-4F8D-B8DB-C2F3692CFA5A}" type="datetimeFigureOut">
               <a:rPr lang="en-US" smtClean="0"/>
-              <a:t>3/30/2022</a:t>
+              <a:t>3/31/2022</a:t>
             </a:fld>
             <a:endParaRPr lang="en-US"/>
           </a:p>
@@ -8766,7 +8983,7 @@
           <a:p>
             <a:fld id="{02AC24A9-CCB6-4F8D-B8DB-C2F3692CFA5A}" type="datetimeFigureOut">
               <a:rPr lang="en-US" smtClean="0"/>
-              <a:t>3/30/2022</a:t>
+              <a:t>3/31/2022</a:t>
             </a:fld>
             <a:endParaRPr lang="en-US"/>
           </a:p>
@@ -9058,7 +9275,7 @@
           <a:p>
             <a:fld id="{02AC24A9-CCB6-4F8D-B8DB-C2F3692CFA5A}" type="datetimeFigureOut">
               <a:rPr lang="en-US" smtClean="0"/>
-              <a:t>3/30/2022</a:t>
+              <a:t>3/31/2022</a:t>
             </a:fld>
             <a:endParaRPr lang="en-US"/>
           </a:p>
@@ -9502,7 +9719,7 @@
           <a:p>
             <a:fld id="{02AC24A9-CCB6-4F8D-B8DB-C2F3692CFA5A}" type="datetimeFigureOut">
               <a:rPr lang="en-US" smtClean="0"/>
-              <a:t>3/30/2022</a:t>
+              <a:t>3/31/2022</a:t>
             </a:fld>
             <a:endParaRPr lang="en-US"/>
           </a:p>
@@ -9620,7 +9837,7 @@
           <a:p>
             <a:fld id="{02AC24A9-CCB6-4F8D-B8DB-C2F3692CFA5A}" type="datetimeFigureOut">
               <a:rPr lang="en-US" smtClean="0"/>
-              <a:t>3/30/2022</a:t>
+              <a:t>3/31/2022</a:t>
             </a:fld>
             <a:endParaRPr lang="en-US"/>
           </a:p>
@@ -9715,7 +9932,7 @@
           <a:p>
             <a:fld id="{02AC24A9-CCB6-4F8D-B8DB-C2F3692CFA5A}" type="datetimeFigureOut">
               <a:rPr lang="en-US" smtClean="0"/>
-              <a:t>3/30/2022</a:t>
+              <a:t>3/31/2022</a:t>
             </a:fld>
             <a:endParaRPr lang="en-US"/>
           </a:p>
@@ -9994,7 +10211,7 @@
           <a:p>
             <a:fld id="{02AC24A9-CCB6-4F8D-B8DB-C2F3692CFA5A}" type="datetimeFigureOut">
               <a:rPr lang="en-US" smtClean="0"/>
-              <a:t>3/30/2022</a:t>
+              <a:t>3/31/2022</a:t>
             </a:fld>
             <a:endParaRPr lang="en-US" dirty="0"/>
           </a:p>
@@ -10269,7 +10486,7 @@
           <a:p>
             <a:fld id="{02AC24A9-CCB6-4F8D-B8DB-C2F3692CFA5A}" type="datetimeFigureOut">
               <a:rPr lang="en-US" smtClean="0"/>
-              <a:t>3/30/2022</a:t>
+              <a:t>3/31/2022</a:t>
             </a:fld>
             <a:endParaRPr lang="en-US"/>
           </a:p>
@@ -10698,7 +10915,7 @@
           <a:p>
             <a:fld id="{02AC24A9-CCB6-4F8D-B8DB-C2F3692CFA5A}" type="datetimeFigureOut">
               <a:rPr lang="en-US" smtClean="0"/>
-              <a:t>3/30/2022</a:t>
+              <a:t>3/31/2022</a:t>
             </a:fld>
             <a:endParaRPr lang="en-US"/>
           </a:p>
@@ -11691,7 +11908,7 @@
             <p:ph idx="1"/>
             <p:extLst>
               <p:ext uri="{D42A27DB-BD31-4B8C-83A1-F6EECF244321}">
-                <p14:modId xmlns:p14="http://schemas.microsoft.com/office/powerpoint/2010/main" val="3414464207"/>
+                <p14:modId xmlns:p14="http://schemas.microsoft.com/office/powerpoint/2010/main" val="2638551421"/>
               </p:ext>
             </p:extLst>
           </p:nvPr>
@@ -13297,6 +13514,500 @@
 </file>
 
 <file path=ppt/slides/slide6.xml><?xml version="1.0" encoding="utf-8"?>
+<p:sld xmlns:a="http://schemas.openxmlformats.org/drawingml/2006/main" xmlns:r="http://schemas.openxmlformats.org/officeDocument/2006/relationships" xmlns:p="http://schemas.openxmlformats.org/presentationml/2006/main">
+  <p:cSld>
+    <p:bg>
+      <p:bgPr>
+        <a:blipFill rotWithShape="1">
+          <a:blip r:embed="rId2">
+            <a:duotone>
+              <a:schemeClr val="bg2">
+                <a:shade val="69000"/>
+                <a:hueMod val="108000"/>
+                <a:satMod val="164000"/>
+                <a:lumMod val="74000"/>
+              </a:schemeClr>
+              <a:schemeClr val="bg2">
+                <a:tint val="96000"/>
+                <a:hueMod val="88000"/>
+                <a:satMod val="140000"/>
+                <a:lumMod val="132000"/>
+              </a:schemeClr>
+            </a:duotone>
+          </a:blip>
+          <a:stretch/>
+        </a:blipFill>
+        <a:effectLst/>
+      </p:bgPr>
+    </p:bg>
+    <p:spTree>
+      <p:nvGrpSpPr>
+        <p:cNvPr id="1" name=""/>
+        <p:cNvGrpSpPr/>
+        <p:nvPr/>
+      </p:nvGrpSpPr>
+      <p:grpSpPr>
+        <a:xfrm>
+          <a:off x="0" y="0"/>
+          <a:ext cx="0" cy="0"/>
+          <a:chOff x="0" y="0"/>
+          <a:chExt cx="0" cy="0"/>
+        </a:xfrm>
+      </p:grpSpPr>
+      <p:pic>
+        <p:nvPicPr>
+          <p:cNvPr id="20" name="Picture 19">
+            <a:extLst>
+              <a:ext uri="{FF2B5EF4-FFF2-40B4-BE49-F238E27FC236}">
+                <a16:creationId xmlns:a16="http://schemas.microsoft.com/office/drawing/2014/main" id="{DF19BAF3-7E20-4B9D-B544-BABAEEA1FA75}"/>
+              </a:ext>
+              <a:ext uri="{C183D7F6-B498-43B3-948B-1728B52AA6E4}">
+                <adec:decorative xmlns:adec="http://schemas.microsoft.com/office/drawing/2017/decorative" val="1"/>
+              </a:ext>
+            </a:extLst>
+          </p:cNvPr>
+          <p:cNvPicPr>
+            <a:picLocks noGrp="1" noRot="1" noChangeAspect="1" noMove="1" noResize="1" noEditPoints="1" noAdjustHandles="1" noChangeArrowheads="1" noChangeShapeType="1" noCrop="1"/>
+          </p:cNvPicPr>
+          <p:nvPr>
+            <p:extLst>
+              <p:ext uri="{386F3935-93C4-4BCD-93E2-E3B085C9AB24}">
+                <p16:designElem xmlns:p16="http://schemas.microsoft.com/office/powerpoint/2015/main" val="1"/>
+              </p:ext>
+            </p:extLst>
+          </p:nvPr>
+        </p:nvPicPr>
+        <p:blipFill rotWithShape="1">
+          <a:blip r:embed="rId3">
+            <a:extLst>
+              <a:ext uri="{28A0092B-C50C-407E-A947-70E740481C1C}">
+                <a14:useLocalDpi xmlns:a14="http://schemas.microsoft.com/office/drawing/2010/main" val="0"/>
+              </a:ext>
+            </a:extLst>
+          </a:blip>
+          <a:srcRect l="3613"/>
+          <a:stretch/>
+        </p:blipFill>
+        <p:spPr>
+          <a:xfrm>
+            <a:off x="0" y="2669685"/>
+            <a:ext cx="4037012" cy="4188315"/>
+          </a:xfrm>
+          <a:prstGeom prst="rect">
+            <a:avLst/>
+          </a:prstGeom>
+        </p:spPr>
+      </p:pic>
+      <p:pic>
+        <p:nvPicPr>
+          <p:cNvPr id="22" name="Picture 21">
+            <a:extLst>
+              <a:ext uri="{FF2B5EF4-FFF2-40B4-BE49-F238E27FC236}">
+                <a16:creationId xmlns:a16="http://schemas.microsoft.com/office/drawing/2014/main" id="{950648F4-ABCD-4DF0-8641-76CFB2354721}"/>
+              </a:ext>
+              <a:ext uri="{C183D7F6-B498-43B3-948B-1728B52AA6E4}">
+                <adec:decorative xmlns:adec="http://schemas.microsoft.com/office/drawing/2017/decorative" val="1"/>
+              </a:ext>
+            </a:extLst>
+          </p:cNvPr>
+          <p:cNvPicPr>
+            <a:picLocks noGrp="1" noRot="1" noChangeAspect="1" noMove="1" noResize="1" noEditPoints="1" noAdjustHandles="1" noChangeArrowheads="1" noChangeShapeType="1" noCrop="1"/>
+          </p:cNvPicPr>
+          <p:nvPr>
+            <p:extLst>
+              <p:ext uri="{386F3935-93C4-4BCD-93E2-E3B085C9AB24}">
+                <p16:designElem xmlns:p16="http://schemas.microsoft.com/office/powerpoint/2015/main" val="1"/>
+              </p:ext>
+            </p:extLst>
+          </p:nvPr>
+        </p:nvPicPr>
+        <p:blipFill rotWithShape="1">
+          <a:blip r:embed="rId4">
+            <a:extLst>
+              <a:ext uri="{28A0092B-C50C-407E-A947-70E740481C1C}">
+                <a14:useLocalDpi xmlns:a14="http://schemas.microsoft.com/office/drawing/2010/main" val="0"/>
+              </a:ext>
+            </a:extLst>
+          </a:blip>
+          <a:srcRect l="35640"/>
+          <a:stretch/>
+        </p:blipFill>
+        <p:spPr>
+          <a:xfrm>
+            <a:off x="0" y="2892347"/>
+            <a:ext cx="1522412" cy="2365453"/>
+          </a:xfrm>
+          <a:prstGeom prst="rect">
+            <a:avLst/>
+          </a:prstGeom>
+        </p:spPr>
+      </p:pic>
+      <p:sp>
+        <p:nvSpPr>
+          <p:cNvPr id="24" name="Oval 23">
+            <a:extLst>
+              <a:ext uri="{FF2B5EF4-FFF2-40B4-BE49-F238E27FC236}">
+                <a16:creationId xmlns:a16="http://schemas.microsoft.com/office/drawing/2014/main" id="{989BE678-777B-482A-A616-FEDC47B162E5}"/>
+              </a:ext>
+              <a:ext uri="{C183D7F6-B498-43B3-948B-1728B52AA6E4}">
+                <adec:decorative xmlns:adec="http://schemas.microsoft.com/office/drawing/2017/decorative" val="1"/>
+              </a:ext>
+            </a:extLst>
+          </p:cNvPr>
+          <p:cNvSpPr>
+            <a:spLocks noGrp="1" noRot="1" noChangeAspect="1" noMove="1" noResize="1" noEditPoints="1" noAdjustHandles="1" noChangeArrowheads="1" noChangeShapeType="1" noTextEdit="1"/>
+          </p:cNvSpPr>
+          <p:nvPr>
+            <p:extLst>
+              <p:ext uri="{386F3935-93C4-4BCD-93E2-E3B085C9AB24}">
+                <p16:designElem xmlns:p16="http://schemas.microsoft.com/office/powerpoint/2015/main" val="1"/>
+              </p:ext>
+            </p:extLst>
+          </p:nvPr>
+        </p:nvSpPr>
+        <p:spPr>
+          <a:xfrm>
+            <a:off x="8609012" y="1676400"/>
+            <a:ext cx="2819400" cy="2819400"/>
+          </a:xfrm>
+          <a:prstGeom prst="ellipse">
+            <a:avLst/>
+          </a:prstGeom>
+          <a:gradFill flip="none" rotWithShape="1">
+            <a:gsLst>
+              <a:gs pos="0">
+                <a:schemeClr val="bg2">
+                  <a:lumMod val="60000"/>
+                  <a:lumOff val="40000"/>
+                  <a:alpha val="7000"/>
+                </a:schemeClr>
+              </a:gs>
+              <a:gs pos="69000">
+                <a:schemeClr val="bg2">
+                  <a:lumMod val="60000"/>
+                  <a:lumOff val="40000"/>
+                  <a:alpha val="0"/>
+                </a:schemeClr>
+              </a:gs>
+              <a:gs pos="36000">
+                <a:schemeClr val="bg2">
+                  <a:lumMod val="60000"/>
+                  <a:lumOff val="40000"/>
+                  <a:alpha val="6000"/>
+                </a:schemeClr>
+              </a:gs>
+            </a:gsLst>
+            <a:path path="circle">
+              <a:fillToRect l="50000" t="50000" r="50000" b="50000"/>
+            </a:path>
+            <a:tileRect/>
+          </a:gradFill>
+          <a:ln>
+            <a:noFill/>
+          </a:ln>
+          <a:effectLst/>
+        </p:spPr>
+        <p:style>
+          <a:lnRef idx="1">
+            <a:schemeClr val="accent1"/>
+          </a:lnRef>
+          <a:fillRef idx="3">
+            <a:schemeClr val="accent1"/>
+          </a:fillRef>
+          <a:effectRef idx="2">
+            <a:schemeClr val="accent1"/>
+          </a:effectRef>
+          <a:fontRef idx="minor">
+            <a:schemeClr val="lt1"/>
+          </a:fontRef>
+        </p:style>
+      </p:sp>
+      <p:pic>
+        <p:nvPicPr>
+          <p:cNvPr id="26" name="Picture 25">
+            <a:extLst>
+              <a:ext uri="{FF2B5EF4-FFF2-40B4-BE49-F238E27FC236}">
+                <a16:creationId xmlns:a16="http://schemas.microsoft.com/office/drawing/2014/main" id="{CF1EB4BD-9C7E-4AA3-9681-C7EB0DA6250B}"/>
+              </a:ext>
+              <a:ext uri="{C183D7F6-B498-43B3-948B-1728B52AA6E4}">
+                <adec:decorative xmlns:adec="http://schemas.microsoft.com/office/drawing/2017/decorative" val="1"/>
+              </a:ext>
+            </a:extLst>
+          </p:cNvPr>
+          <p:cNvPicPr>
+            <a:picLocks noGrp="1" noRot="1" noChangeAspect="1" noMove="1" noResize="1" noEditPoints="1" noAdjustHandles="1" noChangeArrowheads="1" noChangeShapeType="1" noCrop="1"/>
+          </p:cNvPicPr>
+          <p:nvPr>
+            <p:extLst>
+              <p:ext uri="{386F3935-93C4-4BCD-93E2-E3B085C9AB24}">
+                <p16:designElem xmlns:p16="http://schemas.microsoft.com/office/powerpoint/2015/main" val="1"/>
+              </p:ext>
+            </p:extLst>
+          </p:nvPr>
+        </p:nvPicPr>
+        <p:blipFill rotWithShape="1">
+          <a:blip r:embed="rId5">
+            <a:extLst>
+              <a:ext uri="{28A0092B-C50C-407E-A947-70E740481C1C}">
+                <a14:useLocalDpi xmlns:a14="http://schemas.microsoft.com/office/drawing/2010/main" val="0"/>
+              </a:ext>
+            </a:extLst>
+          </a:blip>
+          <a:srcRect t="28813"/>
+          <a:stretch/>
+        </p:blipFill>
+        <p:spPr>
+          <a:xfrm>
+            <a:off x="7999412" y="0"/>
+            <a:ext cx="1603387" cy="1141407"/>
+          </a:xfrm>
+          <a:prstGeom prst="rect">
+            <a:avLst/>
+          </a:prstGeom>
+        </p:spPr>
+      </p:pic>
+      <p:pic>
+        <p:nvPicPr>
+          <p:cNvPr id="28" name="Picture 27">
+            <a:extLst>
+              <a:ext uri="{FF2B5EF4-FFF2-40B4-BE49-F238E27FC236}">
+                <a16:creationId xmlns:a16="http://schemas.microsoft.com/office/drawing/2014/main" id="{94AAE3AA-3759-4D28-B0EF-575F25A5146C}"/>
+              </a:ext>
+              <a:ext uri="{C183D7F6-B498-43B3-948B-1728B52AA6E4}">
+                <adec:decorative xmlns:adec="http://schemas.microsoft.com/office/drawing/2017/decorative" val="1"/>
+              </a:ext>
+            </a:extLst>
+          </p:cNvPr>
+          <p:cNvPicPr>
+            <a:picLocks noGrp="1" noRot="1" noChangeAspect="1" noMove="1" noResize="1" noEditPoints="1" noAdjustHandles="1" noChangeArrowheads="1" noChangeShapeType="1" noCrop="1"/>
+          </p:cNvPicPr>
+          <p:nvPr>
+            <p:extLst>
+              <p:ext uri="{386F3935-93C4-4BCD-93E2-E3B085C9AB24}">
+                <p16:designElem xmlns:p16="http://schemas.microsoft.com/office/powerpoint/2015/main" val="1"/>
+              </p:ext>
+            </p:extLst>
+          </p:nvPr>
+        </p:nvPicPr>
+        <p:blipFill rotWithShape="1">
+          <a:blip r:embed="rId6">
+            <a:extLst>
+              <a:ext uri="{28A0092B-C50C-407E-A947-70E740481C1C}">
+                <a14:useLocalDpi xmlns:a14="http://schemas.microsoft.com/office/drawing/2010/main" val="0"/>
+              </a:ext>
+            </a:extLst>
+          </a:blip>
+          <a:srcRect b="23320"/>
+          <a:stretch/>
+        </p:blipFill>
+        <p:spPr>
+          <a:xfrm>
+            <a:off x="8605878" y="6096000"/>
+            <a:ext cx="993734" cy="762000"/>
+          </a:xfrm>
+          <a:prstGeom prst="rect">
+            <a:avLst/>
+          </a:prstGeom>
+        </p:spPr>
+      </p:pic>
+      <p:sp>
+        <p:nvSpPr>
+          <p:cNvPr id="30" name="Rectangle 29">
+            <a:extLst>
+              <a:ext uri="{FF2B5EF4-FFF2-40B4-BE49-F238E27FC236}">
+                <a16:creationId xmlns:a16="http://schemas.microsoft.com/office/drawing/2014/main" id="{D28BE0C3-2102-4820-B88B-A448B1840D14}"/>
+              </a:ext>
+              <a:ext uri="{C183D7F6-B498-43B3-948B-1728B52AA6E4}">
+                <adec:decorative xmlns:adec="http://schemas.microsoft.com/office/drawing/2017/decorative" val="1"/>
+              </a:ext>
+            </a:extLst>
+          </p:cNvPr>
+          <p:cNvSpPr>
+            <a:spLocks noGrp="1" noRot="1" noChangeAspect="1" noMove="1" noResize="1" noEditPoints="1" noAdjustHandles="1" noChangeArrowheads="1" noChangeShapeType="1" noTextEdit="1"/>
+          </p:cNvSpPr>
+          <p:nvPr>
+            <p:extLst>
+              <p:ext uri="{386F3935-93C4-4BCD-93E2-E3B085C9AB24}">
+                <p16:designElem xmlns:p16="http://schemas.microsoft.com/office/powerpoint/2015/main" val="1"/>
+              </p:ext>
+            </p:extLst>
+          </p:nvPr>
+        </p:nvSpPr>
+        <p:spPr>
+          <a:xfrm>
+            <a:off x="10437812" y="0"/>
+            <a:ext cx="685800" cy="1143000"/>
+          </a:xfrm>
+          <a:prstGeom prst="rect">
+            <a:avLst/>
+          </a:prstGeom>
+          <a:solidFill>
+            <a:schemeClr val="accent1"/>
+          </a:solidFill>
+          <a:ln>
+            <a:noFill/>
+          </a:ln>
+        </p:spPr>
+        <p:style>
+          <a:lnRef idx="1">
+            <a:schemeClr val="accent1"/>
+          </a:lnRef>
+          <a:fillRef idx="3">
+            <a:schemeClr val="accent1"/>
+          </a:fillRef>
+          <a:effectRef idx="2">
+            <a:schemeClr val="accent1"/>
+          </a:effectRef>
+          <a:fontRef idx="minor">
+            <a:schemeClr val="lt1"/>
+          </a:fontRef>
+        </p:style>
+      </p:sp>
+      <p:pic>
+        <p:nvPicPr>
+          <p:cNvPr id="16" name="Picture 15" descr="Cathedral ceiling in yellow sunlight design">
+            <a:extLst>
+              <a:ext uri="{FF2B5EF4-FFF2-40B4-BE49-F238E27FC236}">
+                <a16:creationId xmlns:a16="http://schemas.microsoft.com/office/drawing/2014/main" id="{934BD942-9657-5F33-6F93-E02349525E15}"/>
+              </a:ext>
+            </a:extLst>
+          </p:cNvPr>
+          <p:cNvPicPr>
+            <a:picLocks noChangeAspect="1"/>
+          </p:cNvPicPr>
+          <p:nvPr/>
+        </p:nvPicPr>
+        <p:blipFill rotWithShape="1">
+          <a:blip r:embed="rId7">
+            <a:duotone>
+              <a:prstClr val="black"/>
+              <a:schemeClr val="accent5">
+                <a:tint val="45000"/>
+                <a:satMod val="400000"/>
+              </a:schemeClr>
+            </a:duotone>
+            <a:alphaModFix amt="25000"/>
+          </a:blip>
+          <a:srcRect t="25000"/>
+          <a:stretch/>
+        </p:blipFill>
+        <p:spPr>
+          <a:xfrm>
+            <a:off x="20" y="10"/>
+            <a:ext cx="12191980" cy="6857990"/>
+          </a:xfrm>
+          <a:prstGeom prst="rect">
+            <a:avLst/>
+          </a:prstGeom>
+        </p:spPr>
+      </p:pic>
+      <p:sp>
+        <p:nvSpPr>
+          <p:cNvPr id="2" name="Title 1">
+            <a:extLst>
+              <a:ext uri="{FF2B5EF4-FFF2-40B4-BE49-F238E27FC236}">
+                <a16:creationId xmlns:a16="http://schemas.microsoft.com/office/drawing/2014/main" id="{5F1DBBB7-7071-4C30-A0B6-C7089E11C726}"/>
+              </a:ext>
+            </a:extLst>
+          </p:cNvPr>
+          <p:cNvSpPr>
+            <a:spLocks noGrp="1"/>
+          </p:cNvSpPr>
+          <p:nvPr>
+            <p:ph type="title"/>
+          </p:nvPr>
+        </p:nvSpPr>
+        <p:spPr>
+          <a:xfrm>
+            <a:off x="1154955" y="1447800"/>
+            <a:ext cx="8825658" cy="3329581"/>
+          </a:xfrm>
+        </p:spPr>
+        <p:txBody>
+          <a:bodyPr vert="horz" lIns="91440" tIns="45720" rIns="91440" bIns="45720" rtlCol="0" anchor="b">
+            <a:normAutofit/>
+          </a:bodyPr>
+          <a:lstStyle/>
+          <a:p>
+            <a:r>
+              <a:rPr lang="en-US" sz="7200" dirty="0"/>
+              <a:t>Git/</a:t>
+            </a:r>
+            <a:r>
+              <a:rPr lang="en-US" sz="7200" dirty="0" err="1"/>
+              <a:t>Trell</a:t>
+            </a:r>
+            <a:endParaRPr lang="en-US" sz="7200" dirty="0"/>
+          </a:p>
+        </p:txBody>
+      </p:sp>
+      <p:sp>
+        <p:nvSpPr>
+          <p:cNvPr id="32" name="Rectangle 31">
+            <a:extLst>
+              <a:ext uri="{FF2B5EF4-FFF2-40B4-BE49-F238E27FC236}">
+                <a16:creationId xmlns:a16="http://schemas.microsoft.com/office/drawing/2014/main" id="{C885E190-58DD-42DD-A4A8-401E15C92A52}"/>
+              </a:ext>
+              <a:ext uri="{C183D7F6-B498-43B3-948B-1728B52AA6E4}">
+                <adec:decorative xmlns:adec="http://schemas.microsoft.com/office/drawing/2017/decorative" val="1"/>
+              </a:ext>
+            </a:extLst>
+          </p:cNvPr>
+          <p:cNvSpPr>
+            <a:spLocks noGrp="1" noRot="1" noChangeAspect="1" noMove="1" noResize="1" noEditPoints="1" noAdjustHandles="1" noChangeArrowheads="1" noChangeShapeType="1" noTextEdit="1"/>
+          </p:cNvSpPr>
+          <p:nvPr>
+            <p:extLst>
+              <p:ext uri="{386F3935-93C4-4BCD-93E2-E3B085C9AB24}">
+                <p16:designElem xmlns:p16="http://schemas.microsoft.com/office/powerpoint/2015/main" val="1"/>
+              </p:ext>
+            </p:extLst>
+          </p:nvPr>
+        </p:nvSpPr>
+        <p:spPr>
+          <a:xfrm>
+            <a:off x="10437812" y="0"/>
+            <a:ext cx="685800" cy="1143000"/>
+          </a:xfrm>
+          <a:prstGeom prst="rect">
+            <a:avLst/>
+          </a:prstGeom>
+          <a:solidFill>
+            <a:schemeClr val="accent1"/>
+          </a:solidFill>
+          <a:ln>
+            <a:noFill/>
+          </a:ln>
+        </p:spPr>
+        <p:style>
+          <a:lnRef idx="1">
+            <a:schemeClr val="accent1"/>
+          </a:lnRef>
+          <a:fillRef idx="3">
+            <a:schemeClr val="accent1"/>
+          </a:fillRef>
+          <a:effectRef idx="2">
+            <a:schemeClr val="accent1"/>
+          </a:effectRef>
+          <a:fontRef idx="minor">
+            <a:schemeClr val="lt1"/>
+          </a:fontRef>
+        </p:style>
+      </p:sp>
+    </p:spTree>
+    <p:extLst>
+      <p:ext uri="{BB962C8B-B14F-4D97-AF65-F5344CB8AC3E}">
+        <p14:creationId xmlns:p14="http://schemas.microsoft.com/office/powerpoint/2010/main" val="839252124"/>
+      </p:ext>
+    </p:extLst>
+  </p:cSld>
+  <p:clrMapOvr>
+    <a:masterClrMapping/>
+  </p:clrMapOvr>
+</p:sld>
+</file>
+
+<file path=ppt/slides/slide7.xml><?xml version="1.0" encoding="utf-8"?>
 <p:sld xmlns:a="http://schemas.openxmlformats.org/drawingml/2006/main" xmlns:r="http://schemas.openxmlformats.org/officeDocument/2006/relationships" xmlns:p="http://schemas.openxmlformats.org/presentationml/2006/main">
   <p:cSld>
     <p:bg>
